--- a/Practical Xamarin.pptx
+++ b/Practical Xamarin.pptx
@@ -19,8 +19,8 @@
     <p:sldId id="264" r:id="rId13"/>
     <p:sldId id="263" r:id="rId14"/>
     <p:sldId id="269" r:id="rId15"/>
-    <p:sldId id="270" r:id="rId16"/>
-    <p:sldId id="271" r:id="rId17"/>
+    <p:sldId id="275" r:id="rId16"/>
+    <p:sldId id="276" r:id="rId17"/>
     <p:sldId id="274" r:id="rId18"/>
     <p:sldId id="272" r:id="rId19"/>
     <p:sldId id="273" r:id="rId20"/>
@@ -2483,7 +2483,42 @@
           <a:p>
             <a:r>
               <a:rPr lang="en-US" dirty="0" smtClean="0"/>
-              <a:t>Danny Warren</a:t>
+              <a:t>Danny </a:t>
+            </a:r>
+            <a:r>
+              <a:rPr lang="en-US" dirty="0" smtClean="0"/>
+              <a:t>Warren</a:t>
+            </a:r>
+          </a:p>
+          <a:p>
+            <a:r>
+              <a:rPr lang="en-US" dirty="0" smtClean="0">
+                <a:hlinkClick r:id="rId2"/>
+              </a:rPr>
+              <a:t>dannydwarren@gmail.com</a:t>
+            </a:r>
+            <a:endParaRPr lang="en-US" dirty="0" smtClean="0"/>
+          </a:p>
+          <a:p>
+            <a:r>
+              <a:rPr lang="en-US" dirty="0" smtClean="0"/>
+              <a:t>@</a:t>
+            </a:r>
+            <a:r>
+              <a:rPr lang="en-US" dirty="0" err="1" smtClean="0"/>
+              <a:t>dannydwarren</a:t>
+            </a:r>
+            <a:r>
+              <a:rPr lang="en-US" dirty="0" smtClean="0"/>
+              <a:t> (Twitter</a:t>
+            </a:r>
+            <a:r>
+              <a:rPr lang="en-US" smtClean="0"/>
+              <a:t>, LinkedIn</a:t>
+            </a:r>
+            <a:r>
+              <a:rPr lang="en-US" smtClean="0"/>
+              <a:t>)</a:t>
             </a:r>
             <a:endParaRPr lang="en-US" dirty="0"/>
           </a:p>
@@ -2917,12 +2952,22 @@
               <a:rPr lang="en-US" dirty="0">
                 <a:hlinkClick r:id="rId3"/>
               </a:rPr>
-              <a:t>https://hosted-ci.com</a:t>
-            </a:r>
-            <a:r>
-              <a:rPr lang="en-US" dirty="0"/>
-              <a:t> </a:t>
-            </a:r>
+              <a:t>https://</a:t>
+            </a:r>
+            <a:r>
+              <a:rPr lang="en-US" dirty="0" smtClean="0">
+                <a:hlinkClick r:id="rId3"/>
+              </a:rPr>
+              <a:t>hosted-ci.com</a:t>
+            </a:r>
+            <a:endParaRPr lang="en-US" dirty="0" smtClean="0"/>
+          </a:p>
+          <a:p>
+            <a:r>
+              <a:rPr lang="en-US" dirty="0" smtClean="0"/>
+              <a:t>*Will not work if you can’t install Xamarin</a:t>
+            </a:r>
+            <a:endParaRPr lang="en-US" dirty="0"/>
           </a:p>
         </p:txBody>
       </p:sp>
@@ -3135,200 +3180,341 @@
           </a:p>
         </p:txBody>
       </p:sp>
-      <p:sp>
-        <p:nvSpPr>
-          <p:cNvPr id="3" name="Text Placeholder 2"/>
-          <p:cNvSpPr>
-            <a:spLocks noGrp="1"/>
-          </p:cNvSpPr>
-          <p:nvPr>
-            <p:ph type="body" idx="1"/>
-          </p:nvPr>
-        </p:nvSpPr>
-        <p:spPr/>
-        <p:txBody>
-          <a:bodyPr/>
-          <a:lstStyle/>
-          <a:p>
-            <a:r>
-              <a:rPr lang="en-US" dirty="0" smtClean="0"/>
-              <a:t>Theory</a:t>
-            </a:r>
-            <a:endParaRPr lang="en-US" dirty="0"/>
-          </a:p>
-        </p:txBody>
-      </p:sp>
-      <p:sp>
-        <p:nvSpPr>
-          <p:cNvPr id="4" name="Content Placeholder 3"/>
-          <p:cNvSpPr>
-            <a:spLocks noGrp="1"/>
-          </p:cNvSpPr>
-          <p:nvPr>
-            <p:ph sz="half" idx="2"/>
-          </p:nvPr>
-        </p:nvSpPr>
-        <p:spPr>
-          <a:xfrm>
-            <a:off x="609600" y="2174875"/>
-            <a:ext cx="5386917" cy="3645633"/>
-          </a:xfrm>
-        </p:spPr>
-        <p:txBody>
-          <a:bodyPr>
-            <a:normAutofit fontScale="92500" lnSpcReduction="10000"/>
-          </a:bodyPr>
-          <a:lstStyle/>
-          <a:p>
-            <a:r>
-              <a:rPr lang="en-US" dirty="0" smtClean="0"/>
-              <a:t>UI Fits Each Platform Native Look and Feel					</a:t>
-            </a:r>
-          </a:p>
-          <a:p>
-            <a:r>
-              <a:rPr lang="en-US" dirty="0" smtClean="0"/>
-              <a:t>Performance Would Not be Compromised</a:t>
-            </a:r>
-          </a:p>
-          <a:p>
-            <a:r>
-              <a:rPr lang="en-US" dirty="0" smtClean="0"/>
-              <a:t>Write Once Run Everywhere</a:t>
-            </a:r>
-          </a:p>
-          <a:p>
-            <a:pPr lvl="1"/>
-            <a:r>
-              <a:rPr lang="en-US" dirty="0" smtClean="0"/>
-              <a:t>Each Platform Performs the Same</a:t>
-            </a:r>
-          </a:p>
-          <a:p>
-            <a:r>
-              <a:rPr lang="en-US" dirty="0" smtClean="0"/>
-              <a:t>Very Little Native UI Code Required</a:t>
-            </a:r>
-          </a:p>
-          <a:p>
-            <a:pPr lvl="1"/>
-            <a:r>
-              <a:rPr lang="en-US" dirty="0" smtClean="0"/>
-              <a:t>Very Few UI Renderers</a:t>
-            </a:r>
-          </a:p>
-          <a:p>
-            <a:r>
-              <a:rPr lang="en-US" dirty="0" smtClean="0"/>
-              <a:t>Take Less Time to Write Than 3 Native UIs (For First Write)</a:t>
-            </a:r>
-            <a:endParaRPr lang="en-US" dirty="0"/>
-          </a:p>
-        </p:txBody>
-      </p:sp>
-      <p:sp>
-        <p:nvSpPr>
-          <p:cNvPr id="5" name="Text Placeholder 4"/>
-          <p:cNvSpPr>
-            <a:spLocks noGrp="1"/>
-          </p:cNvSpPr>
-          <p:nvPr>
-            <p:ph type="body" sz="quarter" idx="3"/>
-          </p:nvPr>
-        </p:nvSpPr>
-        <p:spPr/>
-        <p:txBody>
-          <a:bodyPr/>
-          <a:lstStyle/>
-          <a:p>
-            <a:r>
-              <a:rPr lang="en-US" dirty="0" smtClean="0"/>
-              <a:t>Reality</a:t>
-            </a:r>
-            <a:endParaRPr lang="en-US" dirty="0"/>
-          </a:p>
-        </p:txBody>
-      </p:sp>
-      <p:sp>
-        <p:nvSpPr>
-          <p:cNvPr id="6" name="Content Placeholder 5"/>
-          <p:cNvSpPr>
-            <a:spLocks noGrp="1"/>
-          </p:cNvSpPr>
-          <p:nvPr>
-            <p:ph sz="quarter" idx="4"/>
-          </p:nvPr>
-        </p:nvSpPr>
-        <p:spPr/>
-        <p:txBody>
-          <a:bodyPr>
-            <a:normAutofit fontScale="92500" lnSpcReduction="10000"/>
-          </a:bodyPr>
-          <a:lstStyle/>
-          <a:p>
-            <a:r>
-              <a:rPr lang="en-US" dirty="0" smtClean="0"/>
-              <a:t>The App Looks the Same on Each Platform with minor styling differences</a:t>
-            </a:r>
-          </a:p>
-          <a:p>
-            <a:r>
-              <a:rPr lang="en-US" dirty="0" smtClean="0"/>
-              <a:t>Performance was Severely Compromised</a:t>
-            </a:r>
-          </a:p>
-          <a:p>
-            <a:r>
-              <a:rPr lang="en-US" dirty="0" smtClean="0"/>
-              <a:t>Write Once, Tailor Everywhere</a:t>
-            </a:r>
-          </a:p>
-          <a:p>
-            <a:pPr lvl="1"/>
-            <a:r>
-              <a:rPr lang="en-US" dirty="0" smtClean="0"/>
-              <a:t>Each Platform Performed Differently</a:t>
-            </a:r>
-          </a:p>
-          <a:p>
-            <a:r>
-              <a:rPr lang="en-US" dirty="0" smtClean="0"/>
-              <a:t>Everything That Wasn’t a Simple UI Control Required Native Code</a:t>
-            </a:r>
-          </a:p>
-          <a:p>
-            <a:pPr lvl="1"/>
-            <a:r>
-              <a:rPr lang="en-US" dirty="0" smtClean="0"/>
-              <a:t>LOTS of UI Renderers</a:t>
-            </a:r>
-          </a:p>
-          <a:p>
-            <a:r>
-              <a:rPr lang="en-US" dirty="0" smtClean="0"/>
-              <a:t>Jury is Still Out on Time Due to All the Issues We Encountered</a:t>
-            </a:r>
-            <a:endParaRPr lang="en-US" dirty="0"/>
-          </a:p>
-        </p:txBody>
-      </p:sp>
+      <p:graphicFrame>
+        <p:nvGraphicFramePr>
+          <p:cNvPr id="4" name="Table 3"/>
+          <p:cNvGraphicFramePr>
+            <a:graphicFrameLocks noGrp="1"/>
+          </p:cNvGraphicFramePr>
+          <p:nvPr>
+            <p:extLst>
+              <p:ext uri="{D42A27DB-BD31-4B8C-83A1-F6EECF244321}">
+                <p14:modId xmlns:p14="http://schemas.microsoft.com/office/powerpoint/2010/main" val="2054692629"/>
+              </p:ext>
+            </p:extLst>
+          </p:nvPr>
+        </p:nvGraphicFramePr>
+        <p:xfrm>
+          <a:off x="481872" y="1417638"/>
+          <a:ext cx="11326950" cy="4748676"/>
+        </p:xfrm>
+        <a:graphic>
+          <a:graphicData uri="http://schemas.openxmlformats.org/drawingml/2006/table">
+            <a:tbl>
+              <a:tblPr firstRow="1" bandRow="1">
+                <a:tableStyleId>{BC89EF96-8CEA-46FF-86C4-4CE0E7609802}</a:tableStyleId>
+              </a:tblPr>
+              <a:tblGrid>
+                <a:gridCol w="5663475"/>
+                <a:gridCol w="5663475"/>
+              </a:tblGrid>
+              <a:tr h="445996">
+                <a:tc>
+                  <a:txBody>
+                    <a:bodyPr/>
+                    <a:lstStyle/>
+                    <a:p>
+                      <a:r>
+                        <a:rPr lang="en-US" dirty="0" smtClean="0"/>
+                        <a:t>Theory</a:t>
+                      </a:r>
+                      <a:endParaRPr lang="en-US" dirty="0"/>
+                    </a:p>
+                  </a:txBody>
+                  <a:tcPr/>
+                </a:tc>
+                <a:tc>
+                  <a:txBody>
+                    <a:bodyPr/>
+                    <a:lstStyle/>
+                    <a:p>
+                      <a:r>
+                        <a:rPr lang="en-US" dirty="0" smtClean="0"/>
+                        <a:t>Reality</a:t>
+                      </a:r>
+                      <a:endParaRPr lang="en-US" dirty="0"/>
+                    </a:p>
+                  </a:txBody>
+                  <a:tcPr/>
+                </a:tc>
+              </a:tr>
+              <a:tr h="778490">
+                <a:tc>
+                  <a:txBody>
+                    <a:bodyPr/>
+                    <a:lstStyle/>
+                    <a:p>
+                      <a:r>
+                        <a:rPr lang="en-US" dirty="0" smtClean="0"/>
+                        <a:t>UI Fits Each Platform Native Look and Feel</a:t>
+                      </a:r>
+                      <a:endParaRPr lang="en-US" dirty="0"/>
+                    </a:p>
+                  </a:txBody>
+                  <a:tcPr/>
+                </a:tc>
+                <a:tc>
+                  <a:txBody>
+                    <a:bodyPr/>
+                    <a:lstStyle/>
+                    <a:p>
+                      <a:pPr marL="0" marR="0" indent="0" algn="l" defTabSz="914400" rtl="0" eaLnBrk="1" fontAlgn="auto" latinLnBrk="0" hangingPunct="1">
+                        <a:lnSpc>
+                          <a:spcPct val="100000"/>
+                        </a:lnSpc>
+                        <a:spcBef>
+                          <a:spcPts val="0"/>
+                        </a:spcBef>
+                        <a:spcAft>
+                          <a:spcPts val="0"/>
+                        </a:spcAft>
+                        <a:buClrTx/>
+                        <a:buSzTx/>
+                        <a:buFontTx/>
+                        <a:buNone/>
+                        <a:tabLst/>
+                        <a:defRPr/>
+                      </a:pPr>
+                      <a:r>
+                        <a:rPr lang="en-US" dirty="0" smtClean="0"/>
+                        <a:t>The App Looks the Same on Each Platform with minor styling differences</a:t>
+                      </a:r>
+                    </a:p>
+                  </a:txBody>
+                  <a:tcPr/>
+                </a:tc>
+              </a:tr>
+              <a:tr h="778490">
+                <a:tc>
+                  <a:txBody>
+                    <a:bodyPr/>
+                    <a:lstStyle/>
+                    <a:p>
+                      <a:pPr marL="0" marR="0" indent="0" algn="l" defTabSz="914400" rtl="0" eaLnBrk="1" fontAlgn="auto" latinLnBrk="0" hangingPunct="1">
+                        <a:lnSpc>
+                          <a:spcPct val="100000"/>
+                        </a:lnSpc>
+                        <a:spcBef>
+                          <a:spcPts val="0"/>
+                        </a:spcBef>
+                        <a:spcAft>
+                          <a:spcPts val="0"/>
+                        </a:spcAft>
+                        <a:buClrTx/>
+                        <a:buSzTx/>
+                        <a:buFontTx/>
+                        <a:buNone/>
+                        <a:tabLst/>
+                        <a:defRPr/>
+                      </a:pPr>
+                      <a:r>
+                        <a:rPr lang="en-US" dirty="0" smtClean="0"/>
+                        <a:t>Performance Would Not be Compromised</a:t>
+                      </a:r>
+                    </a:p>
+                  </a:txBody>
+                  <a:tcPr/>
+                </a:tc>
+                <a:tc>
+                  <a:txBody>
+                    <a:bodyPr/>
+                    <a:lstStyle/>
+                    <a:p>
+                      <a:pPr marL="0" marR="0" indent="0" algn="l" defTabSz="914400" rtl="0" eaLnBrk="1" fontAlgn="auto" latinLnBrk="0" hangingPunct="1">
+                        <a:lnSpc>
+                          <a:spcPct val="100000"/>
+                        </a:lnSpc>
+                        <a:spcBef>
+                          <a:spcPts val="0"/>
+                        </a:spcBef>
+                        <a:spcAft>
+                          <a:spcPts val="0"/>
+                        </a:spcAft>
+                        <a:buClrTx/>
+                        <a:buSzTx/>
+                        <a:buFontTx/>
+                        <a:buNone/>
+                        <a:tabLst/>
+                        <a:defRPr/>
+                      </a:pPr>
+                      <a:r>
+                        <a:rPr lang="en-US" dirty="0" smtClean="0"/>
+                        <a:t>Performance was Severely Compromised</a:t>
+                      </a:r>
+                    </a:p>
+                  </a:txBody>
+                  <a:tcPr/>
+                </a:tc>
+              </a:tr>
+              <a:tr h="778490">
+                <a:tc>
+                  <a:txBody>
+                    <a:bodyPr/>
+                    <a:lstStyle/>
+                    <a:p>
+                      <a:r>
+                        <a:rPr lang="en-US" dirty="0" smtClean="0"/>
+                        <a:t>Write Once Run Everywhere</a:t>
+                      </a:r>
+                    </a:p>
+                    <a:p>
+                      <a:pPr lvl="1"/>
+                      <a:r>
+                        <a:rPr lang="en-US" dirty="0" smtClean="0"/>
+                        <a:t>Each Platform Performs the Same</a:t>
+                      </a:r>
+                      <a:endParaRPr lang="en-US" dirty="0"/>
+                    </a:p>
+                  </a:txBody>
+                  <a:tcPr/>
+                </a:tc>
+                <a:tc>
+                  <a:txBody>
+                    <a:bodyPr/>
+                    <a:lstStyle/>
+                    <a:p>
+                      <a:r>
+                        <a:rPr lang="en-US" dirty="0" smtClean="0"/>
+                        <a:t>Write Once, Tailor Everywhere</a:t>
+                      </a:r>
+                    </a:p>
+                    <a:p>
+                      <a:pPr lvl="1"/>
+                      <a:r>
+                        <a:rPr lang="en-US" dirty="0" smtClean="0"/>
+                        <a:t>Each Platform Performed Differently</a:t>
+                      </a:r>
+                    </a:p>
+                  </a:txBody>
+                  <a:tcPr/>
+                </a:tc>
+              </a:tr>
+              <a:tr h="778490">
+                <a:tc>
+                  <a:txBody>
+                    <a:bodyPr/>
+                    <a:lstStyle/>
+                    <a:p>
+                      <a:r>
+                        <a:rPr lang="en-US" dirty="0" smtClean="0"/>
+                        <a:t>Very Little Native UI Code Required</a:t>
+                      </a:r>
+                    </a:p>
+                    <a:p>
+                      <a:pPr lvl="1"/>
+                      <a:r>
+                        <a:rPr lang="en-US" dirty="0" smtClean="0"/>
+                        <a:t>Very Few UI Renderers</a:t>
+                      </a:r>
+                    </a:p>
+                  </a:txBody>
+                  <a:tcPr/>
+                </a:tc>
+                <a:tc>
+                  <a:txBody>
+                    <a:bodyPr/>
+                    <a:lstStyle/>
+                    <a:p>
+                      <a:r>
+                        <a:rPr lang="en-US" dirty="0" smtClean="0"/>
+                        <a:t>Everything That Wasn’t a Simple UI Control Required Native Code</a:t>
+                      </a:r>
+                    </a:p>
+                    <a:p>
+                      <a:pPr lvl="1"/>
+                      <a:r>
+                        <a:rPr lang="en-US" dirty="0" smtClean="0"/>
+                        <a:t>LOTS of UI Renderers</a:t>
+                      </a:r>
+                    </a:p>
+                    <a:p>
+                      <a:pPr lvl="1"/>
+                      <a:r>
+                        <a:rPr lang="en-US" baseline="0" dirty="0" smtClean="0"/>
+                        <a:t>*We Had to Learn the Native UI Framework Anyway</a:t>
+                      </a:r>
+                      <a:endParaRPr lang="en-US" dirty="0" smtClean="0"/>
+                    </a:p>
+                  </a:txBody>
+                  <a:tcPr/>
+                </a:tc>
+              </a:tr>
+              <a:tr h="778490">
+                <a:tc>
+                  <a:txBody>
+                    <a:bodyPr/>
+                    <a:lstStyle/>
+                    <a:p>
+                      <a:pPr marL="0" marR="0" indent="0" algn="l" defTabSz="914400" rtl="0" eaLnBrk="1" fontAlgn="auto" latinLnBrk="0" hangingPunct="1">
+                        <a:lnSpc>
+                          <a:spcPct val="100000"/>
+                        </a:lnSpc>
+                        <a:spcBef>
+                          <a:spcPts val="0"/>
+                        </a:spcBef>
+                        <a:spcAft>
+                          <a:spcPts val="0"/>
+                        </a:spcAft>
+                        <a:buClrTx/>
+                        <a:buSzTx/>
+                        <a:buFontTx/>
+                        <a:buNone/>
+                        <a:tabLst/>
+                        <a:defRPr/>
+                      </a:pPr>
+                      <a:r>
+                        <a:rPr lang="en-US" dirty="0" smtClean="0"/>
+                        <a:t>Take Less Time to Write Than 3 Native UIs (For First Write)</a:t>
+                      </a:r>
+                    </a:p>
+                  </a:txBody>
+                  <a:tcPr/>
+                </a:tc>
+                <a:tc>
+                  <a:txBody>
+                    <a:bodyPr/>
+                    <a:lstStyle/>
+                    <a:p>
+                      <a:pPr marL="0" marR="0" indent="0" algn="l" defTabSz="914400" rtl="0" eaLnBrk="1" fontAlgn="auto" latinLnBrk="0" hangingPunct="1">
+                        <a:lnSpc>
+                          <a:spcPct val="100000"/>
+                        </a:lnSpc>
+                        <a:spcBef>
+                          <a:spcPts val="0"/>
+                        </a:spcBef>
+                        <a:spcAft>
+                          <a:spcPts val="0"/>
+                        </a:spcAft>
+                        <a:buClrTx/>
+                        <a:buSzTx/>
+                        <a:buFontTx/>
+                        <a:buNone/>
+                        <a:tabLst/>
+                        <a:defRPr/>
+                      </a:pPr>
+                      <a:r>
+                        <a:rPr lang="en-US" dirty="0" smtClean="0"/>
+                        <a:t>Jury is Still Out on Time Due to All the Issues We Encountered</a:t>
+                      </a:r>
+                    </a:p>
+                  </a:txBody>
+                  <a:tcPr/>
+                </a:tc>
+              </a:tr>
+            </a:tbl>
+          </a:graphicData>
+        </a:graphic>
+      </p:graphicFrame>
     </p:spTree>
     <p:extLst>
       <p:ext uri="{BB962C8B-B14F-4D97-AF65-F5344CB8AC3E}">
-        <p14:creationId xmlns:p14="http://schemas.microsoft.com/office/powerpoint/2010/main" val="2910363308"/>
+        <p14:creationId xmlns:p14="http://schemas.microsoft.com/office/powerpoint/2010/main" val="1372967146"/>
       </p:ext>
     </p:extLst>
   </p:cSld>
   <p:clrMapOvr>
     <a:masterClrMapping/>
   </p:clrMapOvr>
-  <p:timing>
-    <p:tnLst>
-      <p:par>
-        <p:cTn id="1" dur="indefinite" restart="never" nodeType="tmRoot"/>
-      </p:par>
-    </p:tnLst>
-  </p:timing>
 </p:sld>
 </file>
 
@@ -3372,177 +3558,219 @@
           </a:p>
         </p:txBody>
       </p:sp>
-      <p:sp>
-        <p:nvSpPr>
-          <p:cNvPr id="3" name="Text Placeholder 2"/>
-          <p:cNvSpPr>
-            <a:spLocks noGrp="1"/>
-          </p:cNvSpPr>
-          <p:nvPr>
-            <p:ph type="body" idx="1"/>
-          </p:nvPr>
-        </p:nvSpPr>
-        <p:spPr/>
-        <p:txBody>
-          <a:bodyPr/>
-          <a:lstStyle/>
-          <a:p>
-            <a:r>
-              <a:rPr lang="en-US" dirty="0" smtClean="0"/>
-              <a:t>Theory</a:t>
-            </a:r>
-            <a:endParaRPr lang="en-US" dirty="0"/>
-          </a:p>
-        </p:txBody>
-      </p:sp>
-      <p:sp>
-        <p:nvSpPr>
-          <p:cNvPr id="4" name="Content Placeholder 3"/>
-          <p:cNvSpPr>
-            <a:spLocks noGrp="1"/>
-          </p:cNvSpPr>
-          <p:nvPr>
-            <p:ph sz="half" idx="2"/>
-          </p:nvPr>
-        </p:nvSpPr>
-        <p:spPr/>
-        <p:txBody>
-          <a:bodyPr>
-            <a:normAutofit/>
-          </a:bodyPr>
-          <a:lstStyle/>
-          <a:p>
-            <a:r>
-              <a:rPr lang="en-US" dirty="0" smtClean="0"/>
-              <a:t>XAML is the Way to Write Your UI</a:t>
-            </a:r>
-          </a:p>
-          <a:p>
-            <a:endParaRPr lang="en-US" dirty="0"/>
-          </a:p>
-          <a:p>
-            <a:endParaRPr lang="en-US" dirty="0" smtClean="0"/>
-          </a:p>
-          <a:p>
-            <a:endParaRPr lang="en-US" dirty="0"/>
-          </a:p>
-          <a:p>
-            <a:endParaRPr lang="en-US" dirty="0" smtClean="0"/>
-          </a:p>
-          <a:p>
-            <a:r>
-              <a:rPr lang="en-US" dirty="0" smtClean="0"/>
-              <a:t>Xamarin.Forms IS THE Way to Write Mobile Apps</a:t>
-            </a:r>
-            <a:endParaRPr lang="en-US" dirty="0"/>
-          </a:p>
-        </p:txBody>
-      </p:sp>
-      <p:sp>
-        <p:nvSpPr>
-          <p:cNvPr id="5" name="Text Placeholder 4"/>
-          <p:cNvSpPr>
-            <a:spLocks noGrp="1"/>
-          </p:cNvSpPr>
-          <p:nvPr>
-            <p:ph type="body" sz="quarter" idx="3"/>
-          </p:nvPr>
-        </p:nvSpPr>
-        <p:spPr/>
-        <p:txBody>
-          <a:bodyPr/>
-          <a:lstStyle/>
-          <a:p>
-            <a:r>
-              <a:rPr lang="en-US" dirty="0" smtClean="0"/>
-              <a:t>Reality</a:t>
-            </a:r>
-            <a:endParaRPr lang="en-US" dirty="0"/>
-          </a:p>
-        </p:txBody>
-      </p:sp>
-      <p:sp>
-        <p:nvSpPr>
-          <p:cNvPr id="6" name="Content Placeholder 5"/>
-          <p:cNvSpPr>
-            <a:spLocks noGrp="1"/>
-          </p:cNvSpPr>
-          <p:nvPr>
-            <p:ph sz="quarter" idx="4"/>
-          </p:nvPr>
-        </p:nvSpPr>
-        <p:spPr/>
-        <p:txBody>
-          <a:bodyPr>
-            <a:normAutofit/>
-          </a:bodyPr>
-          <a:lstStyle/>
-          <a:p>
-            <a:r>
-              <a:rPr lang="en-US" dirty="0" smtClean="0"/>
-              <a:t>XAML is Not Compiled and Therefore Impacts Performance</a:t>
-            </a:r>
-          </a:p>
-          <a:p>
-            <a:pPr lvl="1"/>
-            <a:r>
-              <a:rPr lang="en-US" dirty="0" smtClean="0"/>
-              <a:t>XAML Compilation is Coming Soon</a:t>
-            </a:r>
-          </a:p>
-          <a:p>
-            <a:pPr lvl="2"/>
-            <a:r>
-              <a:rPr lang="en-US" dirty="0">
-                <a:hlinkClick r:id="rId2"/>
-              </a:rPr>
-              <a:t>http://</a:t>
-            </a:r>
-            <a:r>
-              <a:rPr lang="en-US" dirty="0" smtClean="0">
-                <a:hlinkClick r:id="rId2"/>
-              </a:rPr>
-              <a:t>forums.xamarin.com/discussion/38729/xamarin-forms-1-4-3-pre2-released</a:t>
-            </a:r>
-            <a:r>
-              <a:rPr lang="en-US" dirty="0" smtClean="0"/>
-              <a:t> </a:t>
-            </a:r>
-            <a:endParaRPr lang="en-US" dirty="0"/>
-          </a:p>
-          <a:p>
-            <a:r>
-              <a:rPr lang="en-US" dirty="0" smtClean="0"/>
-              <a:t>True Native IS THE Way to Write Mobile Apps</a:t>
-            </a:r>
-          </a:p>
-          <a:p>
-            <a:pPr lvl="1"/>
-            <a:r>
-              <a:rPr lang="en-US" dirty="0" smtClean="0"/>
-              <a:t>Unless They Don’t Do Lists, Videos, Support App Lifecycle, Have Only a Few Pages, and Aren’t Written in XAML (yet)</a:t>
-            </a:r>
-            <a:endParaRPr lang="en-US" dirty="0"/>
-          </a:p>
-        </p:txBody>
-      </p:sp>
+      <p:graphicFrame>
+        <p:nvGraphicFramePr>
+          <p:cNvPr id="4" name="Table 3"/>
+          <p:cNvGraphicFramePr>
+            <a:graphicFrameLocks noGrp="1"/>
+          </p:cNvGraphicFramePr>
+          <p:nvPr>
+            <p:extLst>
+              <p:ext uri="{D42A27DB-BD31-4B8C-83A1-F6EECF244321}">
+                <p14:modId xmlns:p14="http://schemas.microsoft.com/office/powerpoint/2010/main" val="354288268"/>
+              </p:ext>
+            </p:extLst>
+          </p:nvPr>
+        </p:nvGraphicFramePr>
+        <p:xfrm>
+          <a:off x="481872" y="1417638"/>
+          <a:ext cx="11326950" cy="2823436"/>
+        </p:xfrm>
+        <a:graphic>
+          <a:graphicData uri="http://schemas.openxmlformats.org/drawingml/2006/table">
+            <a:tbl>
+              <a:tblPr firstRow="1" bandRow="1">
+                <a:tableStyleId>{BC89EF96-8CEA-46FF-86C4-4CE0E7609802}</a:tableStyleId>
+              </a:tblPr>
+              <a:tblGrid>
+                <a:gridCol w="5663475"/>
+                <a:gridCol w="5663475"/>
+              </a:tblGrid>
+              <a:tr h="445996">
+                <a:tc>
+                  <a:txBody>
+                    <a:bodyPr/>
+                    <a:lstStyle/>
+                    <a:p>
+                      <a:r>
+                        <a:rPr lang="en-US" dirty="0" smtClean="0"/>
+                        <a:t>Theory</a:t>
+                      </a:r>
+                      <a:endParaRPr lang="en-US" dirty="0"/>
+                    </a:p>
+                  </a:txBody>
+                  <a:tcPr/>
+                </a:tc>
+                <a:tc>
+                  <a:txBody>
+                    <a:bodyPr/>
+                    <a:lstStyle/>
+                    <a:p>
+                      <a:r>
+                        <a:rPr lang="en-US" dirty="0" smtClean="0"/>
+                        <a:t>Reality</a:t>
+                      </a:r>
+                      <a:endParaRPr lang="en-US" dirty="0"/>
+                    </a:p>
+                  </a:txBody>
+                  <a:tcPr/>
+                </a:tc>
+              </a:tr>
+              <a:tr h="778490">
+                <a:tc>
+                  <a:txBody>
+                    <a:bodyPr/>
+                    <a:lstStyle/>
+                    <a:p>
+                      <a:pPr marL="0" marR="0" indent="0" algn="l" defTabSz="914400" rtl="0" eaLnBrk="1" fontAlgn="auto" latinLnBrk="0" hangingPunct="1">
+                        <a:lnSpc>
+                          <a:spcPct val="100000"/>
+                        </a:lnSpc>
+                        <a:spcBef>
+                          <a:spcPts val="0"/>
+                        </a:spcBef>
+                        <a:spcAft>
+                          <a:spcPts val="0"/>
+                        </a:spcAft>
+                        <a:buClrTx/>
+                        <a:buSzTx/>
+                        <a:buFontTx/>
+                        <a:buNone/>
+                        <a:tabLst/>
+                        <a:defRPr/>
+                      </a:pPr>
+                      <a:r>
+                        <a:rPr lang="en-US" dirty="0" smtClean="0"/>
+                        <a:t>XAML is the Way to Write Your UI</a:t>
+                      </a:r>
+                    </a:p>
+                  </a:txBody>
+                  <a:tcPr/>
+                </a:tc>
+                <a:tc>
+                  <a:txBody>
+                    <a:bodyPr/>
+                    <a:lstStyle/>
+                    <a:p>
+                      <a:r>
+                        <a:rPr lang="en-US" dirty="0" smtClean="0"/>
+                        <a:t>XAML is Not Compiled and Therefore Impacts Performance</a:t>
+                      </a:r>
+                    </a:p>
+                    <a:p>
+                      <a:pPr lvl="1"/>
+                      <a:r>
+                        <a:rPr lang="en-US" dirty="0" smtClean="0"/>
+                        <a:t>XAML Compilation is Coming Soon</a:t>
+                      </a:r>
+                    </a:p>
+                    <a:p>
+                      <a:pPr lvl="2"/>
+                      <a:r>
+                        <a:rPr lang="en-US" dirty="0" smtClean="0">
+                          <a:hlinkClick r:id="rId2"/>
+                        </a:rPr>
+                        <a:t>http://forums.xamarin.com/discussion/38729/xamarin-forms-1-4-3-pre2-released</a:t>
+                      </a:r>
+                      <a:r>
+                        <a:rPr lang="en-US" dirty="0" smtClean="0"/>
+                        <a:t> </a:t>
+                      </a:r>
+                    </a:p>
+                    <a:p>
+                      <a:pPr marL="0" marR="0" indent="0" algn="l" defTabSz="914400" rtl="0" eaLnBrk="1" fontAlgn="auto" latinLnBrk="0" hangingPunct="1">
+                        <a:lnSpc>
+                          <a:spcPct val="100000"/>
+                        </a:lnSpc>
+                        <a:spcBef>
+                          <a:spcPts val="0"/>
+                        </a:spcBef>
+                        <a:spcAft>
+                          <a:spcPts val="0"/>
+                        </a:spcAft>
+                        <a:buClrTx/>
+                        <a:buSzTx/>
+                        <a:buFontTx/>
+                        <a:buNone/>
+                        <a:tabLst/>
+                        <a:defRPr/>
+                      </a:pPr>
+                      <a:endParaRPr lang="en-US" dirty="0" smtClean="0"/>
+                    </a:p>
+                  </a:txBody>
+                  <a:tcPr/>
+                </a:tc>
+              </a:tr>
+              <a:tr h="778490">
+                <a:tc>
+                  <a:txBody>
+                    <a:bodyPr/>
+                    <a:lstStyle/>
+                    <a:p>
+                      <a:pPr marL="0" marR="0" indent="0" algn="l" defTabSz="914400" rtl="0" eaLnBrk="1" fontAlgn="auto" latinLnBrk="0" hangingPunct="1">
+                        <a:lnSpc>
+                          <a:spcPct val="100000"/>
+                        </a:lnSpc>
+                        <a:spcBef>
+                          <a:spcPts val="0"/>
+                        </a:spcBef>
+                        <a:spcAft>
+                          <a:spcPts val="0"/>
+                        </a:spcAft>
+                        <a:buClrTx/>
+                        <a:buSzTx/>
+                        <a:buFontTx/>
+                        <a:buNone/>
+                        <a:tabLst/>
+                        <a:defRPr/>
+                      </a:pPr>
+                      <a:r>
+                        <a:rPr lang="en-US" dirty="0" err="1" smtClean="0"/>
+                        <a:t>Xamarin.Forms</a:t>
+                      </a:r>
+                      <a:r>
+                        <a:rPr lang="en-US" dirty="0" smtClean="0"/>
+                        <a:t> IS THE Way to Write Mobile Apps</a:t>
+                      </a:r>
+                    </a:p>
+                  </a:txBody>
+                  <a:tcPr/>
+                </a:tc>
+                <a:tc>
+                  <a:txBody>
+                    <a:bodyPr/>
+                    <a:lstStyle/>
+                    <a:p>
+                      <a:r>
+                        <a:rPr lang="en-US" dirty="0" smtClean="0"/>
+                        <a:t>True Native IS THE Way to Write Mobile Apps</a:t>
+                      </a:r>
+                    </a:p>
+                    <a:p>
+                      <a:pPr lvl="1"/>
+                      <a:r>
+                        <a:rPr lang="en-US" dirty="0" smtClean="0"/>
+                        <a:t>Unless You Don’t Do Lists, Videos, Support App Lifecycle, and Aren’t Written in XAML (yet)</a:t>
+                      </a:r>
+                    </a:p>
+                  </a:txBody>
+                  <a:tcPr/>
+                </a:tc>
+              </a:tr>
+            </a:tbl>
+          </a:graphicData>
+        </a:graphic>
+      </p:graphicFrame>
     </p:spTree>
     <p:extLst>
       <p:ext uri="{BB962C8B-B14F-4D97-AF65-F5344CB8AC3E}">
-        <p14:creationId xmlns:p14="http://schemas.microsoft.com/office/powerpoint/2010/main" val="4179133993"/>
+        <p14:creationId xmlns:p14="http://schemas.microsoft.com/office/powerpoint/2010/main" val="3267921396"/>
       </p:ext>
     </p:extLst>
   </p:cSld>
   <p:clrMapOvr>
     <a:masterClrMapping/>
   </p:clrMapOvr>
-  <p:timing>
-    <p:tnLst>
-      <p:par>
-        <p:cTn id="1" dur="indefinite" restart="never" nodeType="tmRoot"/>
-      </p:par>
-    </p:tnLst>
-  </p:timing>
 </p:sld>
 </file>
 
@@ -3613,8 +3841,19 @@
           <a:p>
             <a:r>
               <a:rPr lang="en-US" dirty="0" smtClean="0"/>
-              <a:t>Image Buttons</a:t>
-            </a:r>
+              <a:t>Image </a:t>
+            </a:r>
+            <a:r>
+              <a:rPr lang="en-US" dirty="0" smtClean="0"/>
+              <a:t>Buttons</a:t>
+            </a:r>
+          </a:p>
+          <a:p>
+            <a:r>
+              <a:rPr lang="en-US" dirty="0" smtClean="0"/>
+              <a:t>Lots of Images</a:t>
+            </a:r>
+            <a:endParaRPr lang="en-US" dirty="0" smtClean="0"/>
           </a:p>
           <a:p>
             <a:r>
@@ -3625,14 +3864,23 @@
           <a:p>
             <a:r>
               <a:rPr lang="en-US" dirty="0" smtClean="0"/>
-              <a:t>Complicated List Items</a:t>
-            </a:r>
-          </a:p>
-          <a:p>
-            <a:r>
-              <a:rPr lang="en-US" dirty="0" smtClean="0"/>
-              <a:t>Lots and Lots of Labels</a:t>
-            </a:r>
+              <a:t>Complicated </a:t>
+            </a:r>
+            <a:r>
+              <a:rPr lang="en-US" dirty="0" smtClean="0"/>
+              <a:t>List Items</a:t>
+            </a:r>
+          </a:p>
+          <a:p>
+            <a:r>
+              <a:rPr lang="en-US" dirty="0" smtClean="0"/>
+              <a:t>Lots </a:t>
+            </a:r>
+            <a:r>
+              <a:rPr lang="en-US" dirty="0" smtClean="0"/>
+              <a:t>of Labels</a:t>
+            </a:r>
+            <a:endParaRPr lang="en-US" dirty="0" smtClean="0"/>
           </a:p>
           <a:p>
             <a:pPr lvl="1"/>
@@ -3665,7 +3913,13 @@
           <a:bodyPr/>
           <a:lstStyle/>
           <a:p>
-            <a:endParaRPr lang="en-US"/>
+            <a:r>
+              <a:rPr lang="en-US" dirty="0" smtClean="0"/>
+              <a:t>You Already Known Android and/or iOS and/or Windows Native UI Frameworks</a:t>
+            </a:r>
+          </a:p>
+          <a:p>
+            <a:endParaRPr lang="en-US" dirty="0"/>
           </a:p>
         </p:txBody>
       </p:sp>
@@ -4344,10 +4598,9 @@
           <a:p>
             <a:pPr lvl="1"/>
             <a:r>
-              <a:rPr lang="en-US" smtClean="0"/>
+              <a:rPr lang="en-US" dirty="0" smtClean="0"/>
               <a:t>Camera, GPS, etc.</a:t>
             </a:r>
-            <a:endParaRPr lang="en-US" dirty="0" smtClean="0"/>
           </a:p>
           <a:p>
             <a:r>
@@ -4406,7 +4659,7 @@
         </p:spPr>
         <p:txBody>
           <a:bodyPr>
-            <a:normAutofit lnSpcReduction="10000"/>
+            <a:normAutofit fontScale="92500" lnSpcReduction="10000"/>
           </a:bodyPr>
           <a:lstStyle/>
           <a:p>
@@ -4460,8 +4713,24 @@
           <a:p>
             <a:r>
               <a:rPr lang="en-US" dirty="0" smtClean="0"/>
-              <a:t>Learn iOS Framework</a:t>
-            </a:r>
+              <a:t>Learn iOS </a:t>
+            </a:r>
+            <a:r>
+              <a:rPr lang="en-US" dirty="0" smtClean="0"/>
+              <a:t>Framework</a:t>
+            </a:r>
+          </a:p>
+          <a:p>
+            <a:pPr marL="742950" lvl="2" indent="-342900"/>
+            <a:r>
+              <a:rPr lang="en-US" dirty="0"/>
+              <a:t>Camera, GPS, etc</a:t>
+            </a:r>
+            <a:r>
+              <a:rPr lang="en-US" dirty="0" smtClean="0"/>
+              <a:t>.</a:t>
+            </a:r>
+            <a:endParaRPr lang="en-US" dirty="0" smtClean="0"/>
           </a:p>
           <a:p>
             <a:r>
@@ -4612,8 +4881,24 @@
           <a:p>
             <a:r>
               <a:rPr lang="en-US" dirty="0" smtClean="0"/>
-              <a:t>Learn WinRT Framework</a:t>
-            </a:r>
+              <a:t>Learn WinRT </a:t>
+            </a:r>
+            <a:r>
+              <a:rPr lang="en-US" dirty="0" smtClean="0"/>
+              <a:t>Framework</a:t>
+            </a:r>
+          </a:p>
+          <a:p>
+            <a:pPr lvl="1"/>
+            <a:r>
+              <a:rPr lang="en-US" dirty="0"/>
+              <a:t>Camera, GPS, etc</a:t>
+            </a:r>
+            <a:r>
+              <a:rPr lang="en-US" dirty="0" smtClean="0"/>
+              <a:t>.</a:t>
+            </a:r>
+            <a:endParaRPr lang="en-US" dirty="0" smtClean="0"/>
           </a:p>
           <a:p>
             <a:r>
